--- a/JAR’MUI HIDALGUENSE1.pptx
+++ b/JAR’MUI HIDALGUENSE1.pptx
@@ -6388,8 +6388,17 @@
             </a:r>
             <a:r>
               <a:rPr lang="es-ES" dirty="0" smtClean="0"/>
-              <a:t>México.</a:t>
-            </a:r>
+              <a:t>México</a:t>
+            </a:r>
+            <a:r>
+              <a:rPr lang="es-ES" dirty="0" smtClean="0"/>
+              <a:t>. Estado </a:t>
+            </a:r>
+            <a:r>
+              <a:rPr lang="es-ES" smtClean="0"/>
+              <a:t>de Hidalgo </a:t>
+            </a:r>
+            <a:endParaRPr lang="es-ES" dirty="0" smtClean="0"/>
           </a:p>
           <a:p>
             <a:endParaRPr lang="es-ES" dirty="0" smtClean="0"/>
